--- a/predavanja/prezentacije/OOP00-Koncepcija kursa.pptx
+++ b/predavanja/prezentacije/OOP00-Koncepcija kursa.pptx
@@ -28,11 +28,11 @@
       <p:italic r:id="rId16"/>
     </p:embeddedFont>
     <p:embeddedFont>
-      <p:font typeface="YUTms" panose="020B0604020202020204"/>
+      <p:font typeface="Times YU" panose="02027200000000000000"/>
       <p:regular r:id="rId17"/>
     </p:embeddedFont>
     <p:embeddedFont>
-      <p:font typeface="Times YU" panose="02027200000000000000"/>
+      <p:font typeface="YUTms" panose="020B0604020202020204"/>
       <p:regular r:id="rId18"/>
     </p:embeddedFont>
   </p:embeddedFontLst>
@@ -163,7 +163,7 @@
   </p:defaultTextStyle>
   <p:extLst>
     <p:ext uri="{EFAFB233-063F-42B5-8137-9DF3F51BA10A}">
-      <p15:sldGuideLst xmlns:p15="http://schemas.microsoft.com/office/powerpoint/2012/main" xmlns="">
+      <p15:sldGuideLst xmlns="" xmlns:p15="http://schemas.microsoft.com/office/powerpoint/2012/main">
         <p15:guide id="1" orient="horz" pos="2160">
           <p15:clr>
             <a:srgbClr val="A4A3A4"/>
@@ -6720,13 +6720,7 @@
               <a:rPr lang="en-US" altLang="en-US" dirty="0" smtClean="0">
                 <a:latin typeface="Garamond" panose="02020404030301010803" pitchFamily="18" charset="0"/>
               </a:rPr>
-              <a:t>6-</a:t>
-            </a:r>
-            <a:r>
-              <a:rPr lang="en-US" altLang="en-US" dirty="0" smtClean="0">
-                <a:latin typeface="Garamond" panose="02020404030301010803" pitchFamily="18" charset="0"/>
-              </a:rPr>
-              <a:t>7</a:t>
+              <a:t>6-7</a:t>
             </a:r>
             <a:r>
               <a:rPr lang="sr-Cyrl-RS" altLang="en-US" dirty="0" smtClean="0">
@@ -11138,7 +11132,417 @@
               <a:defRPr/>
             </a:pPr>
             <a:r>
-              <a:rPr lang="en-US" sz="2600" dirty="0" smtClean="0">
+              <a:rPr lang="en-US" sz="2600" dirty="0">
+                <a:solidFill>
+                  <a:schemeClr val="accent1">
+                    <a:lumMod val="25000"/>
+                  </a:schemeClr>
+                </a:solidFill>
+                <a:latin typeface="Garamond" pitchFamily="18" charset="0"/>
+              </a:rPr>
+              <a:t>C . </a:t>
+            </a:r>
+            <a:r>
+              <a:rPr lang="en-US" sz="2600" dirty="0" err="1">
+                <a:solidFill>
+                  <a:schemeClr val="accent1">
+                    <a:lumMod val="25000"/>
+                  </a:schemeClr>
+                </a:solidFill>
+                <a:latin typeface="Garamond" pitchFamily="18" charset="0"/>
+              </a:rPr>
+              <a:t>Horstmann</a:t>
+            </a:r>
+            <a:r>
+              <a:rPr lang="en-US" sz="2600" dirty="0">
+                <a:solidFill>
+                  <a:schemeClr val="accent1">
+                    <a:lumMod val="25000"/>
+                  </a:schemeClr>
+                </a:solidFill>
+                <a:latin typeface="Garamond" pitchFamily="18" charset="0"/>
+              </a:rPr>
+              <a:t>, G Cornell, </a:t>
+            </a:r>
+            <a:r>
+              <a:rPr lang="en-US" sz="2600" b="1" i="1" dirty="0" err="1">
+                <a:solidFill>
+                  <a:schemeClr val="accent1">
+                    <a:lumMod val="25000"/>
+                  </a:schemeClr>
+                </a:solidFill>
+                <a:latin typeface="Garamond" pitchFamily="18" charset="0"/>
+              </a:rPr>
+              <a:t>Jezgro</a:t>
+            </a:r>
+            <a:r>
+              <a:rPr lang="en-US" sz="2600" b="1" i="1" dirty="0">
+                <a:solidFill>
+                  <a:schemeClr val="accent1">
+                    <a:lumMod val="25000"/>
+                  </a:schemeClr>
+                </a:solidFill>
+                <a:latin typeface="Garamond" pitchFamily="18" charset="0"/>
+              </a:rPr>
+              <a:t> </a:t>
+            </a:r>
+            <a:r>
+              <a:rPr lang="en-US" sz="2600" b="1" i="1" dirty="0" err="1">
+                <a:solidFill>
+                  <a:schemeClr val="accent1">
+                    <a:lumMod val="25000"/>
+                  </a:schemeClr>
+                </a:solidFill>
+                <a:latin typeface="Garamond" pitchFamily="18" charset="0"/>
+              </a:rPr>
+              <a:t>Jave</a:t>
+            </a:r>
+            <a:r>
+              <a:rPr lang="sr-Cyrl-RS" sz="2600" b="1" i="1" dirty="0">
+                <a:solidFill>
+                  <a:schemeClr val="accent1">
+                    <a:lumMod val="25000"/>
+                  </a:schemeClr>
+                </a:solidFill>
+                <a:latin typeface="Garamond" pitchFamily="18" charset="0"/>
+              </a:rPr>
+              <a:t>,</a:t>
+            </a:r>
+            <a:r>
+              <a:rPr lang="en-US" sz="2600" b="1" i="1" dirty="0">
+                <a:solidFill>
+                  <a:schemeClr val="accent1">
+                    <a:lumMod val="25000"/>
+                  </a:schemeClr>
+                </a:solidFill>
+                <a:latin typeface="Garamond" pitchFamily="18" charset="0"/>
+              </a:rPr>
+              <a:t> Tom 1</a:t>
+            </a:r>
+            <a:r>
+              <a:rPr lang="sr-Cyrl-RS" sz="2600" b="1" i="1" dirty="0">
+                <a:solidFill>
+                  <a:schemeClr val="accent1">
+                    <a:lumMod val="25000"/>
+                  </a:schemeClr>
+                </a:solidFill>
+                <a:latin typeface="Garamond" pitchFamily="18" charset="0"/>
+              </a:rPr>
+              <a:t>- О</a:t>
+            </a:r>
+            <a:r>
+              <a:rPr lang="en-US" sz="2600" b="1" i="1" dirty="0" err="1">
+                <a:solidFill>
+                  <a:schemeClr val="accent1">
+                    <a:lumMod val="25000"/>
+                  </a:schemeClr>
+                </a:solidFill>
+                <a:latin typeface="Garamond" pitchFamily="18" charset="0"/>
+              </a:rPr>
+              <a:t>snove</a:t>
+            </a:r>
+            <a:r>
+              <a:rPr lang="en-US" sz="2600" dirty="0">
+                <a:solidFill>
+                  <a:schemeClr val="accent1">
+                    <a:lumMod val="25000"/>
+                  </a:schemeClr>
+                </a:solidFill>
+                <a:latin typeface="Garamond" pitchFamily="18" charset="0"/>
+              </a:rPr>
+              <a:t>, </a:t>
+            </a:r>
+            <a:r>
+              <a:rPr kumimoji="1" lang="sr-Latn-CS" sz="2600" dirty="0">
+                <a:solidFill>
+                  <a:schemeClr val="accent1">
+                    <a:lumMod val="25000"/>
+                  </a:schemeClr>
+                </a:solidFill>
+                <a:latin typeface="Garamond" pitchFamily="18" charset="0"/>
+              </a:rPr>
+              <a:t>CET,</a:t>
+            </a:r>
+            <a:r>
+              <a:rPr kumimoji="1" lang="sr-Cyrl-RS" sz="2600" dirty="0">
+                <a:solidFill>
+                  <a:schemeClr val="accent1">
+                    <a:lumMod val="25000"/>
+                  </a:schemeClr>
+                </a:solidFill>
+                <a:latin typeface="Garamond" pitchFamily="18" charset="0"/>
+              </a:rPr>
+              <a:t> Београд</a:t>
+            </a:r>
+            <a:r>
+              <a:rPr kumimoji="1" lang="sr-Latn-CS" sz="2600" dirty="0">
+                <a:solidFill>
+                  <a:schemeClr val="accent1">
+                    <a:lumMod val="25000"/>
+                  </a:schemeClr>
+                </a:solidFill>
+                <a:latin typeface="Garamond" pitchFamily="18" charset="0"/>
+              </a:rPr>
+              <a:t>, 200</a:t>
+            </a:r>
+            <a:r>
+              <a:rPr kumimoji="1" lang="en-US" sz="2600" dirty="0">
+                <a:solidFill>
+                  <a:schemeClr val="accent1">
+                    <a:lumMod val="25000"/>
+                  </a:schemeClr>
+                </a:solidFill>
+                <a:latin typeface="Garamond" pitchFamily="18" charset="0"/>
+              </a:rPr>
+              <a:t>8</a:t>
+            </a:r>
+            <a:r>
+              <a:rPr kumimoji="1" lang="sr-Latn-CS" sz="2600" dirty="0">
+                <a:solidFill>
+                  <a:schemeClr val="accent1">
+                    <a:lumMod val="25000"/>
+                  </a:schemeClr>
+                </a:solidFill>
+                <a:latin typeface="Garamond" pitchFamily="18" charset="0"/>
+              </a:rPr>
+              <a:t>.</a:t>
+            </a:r>
+            <a:endParaRPr kumimoji="1" lang="en-US" sz="2600" dirty="0">
+              <a:solidFill>
+                <a:schemeClr val="accent1">
+                  <a:lumMod val="25000"/>
+                </a:schemeClr>
+              </a:solidFill>
+              <a:latin typeface="Garamond" pitchFamily="18" charset="0"/>
+            </a:endParaRPr>
+          </a:p>
+          <a:p>
+            <a:pPr marL="514350" indent="-514350" eaLnBrk="0" hangingPunct="0">
+              <a:spcBef>
+                <a:spcPct val="20000"/>
+              </a:spcBef>
+              <a:buFont typeface="Times YU" pitchFamily="18" charset="0"/>
+              <a:buAutoNum type="arabicPeriod"/>
+              <a:defRPr/>
+            </a:pPr>
+            <a:r>
+              <a:rPr lang="en-US" sz="2600" dirty="0">
+                <a:solidFill>
+                  <a:schemeClr val="accent1">
+                    <a:lumMod val="25000"/>
+                  </a:schemeClr>
+                </a:solidFill>
+                <a:latin typeface="Garamond" pitchFamily="18" charset="0"/>
+              </a:rPr>
+              <a:t>C . </a:t>
+            </a:r>
+            <a:r>
+              <a:rPr lang="en-US" sz="2600" dirty="0" err="1">
+                <a:solidFill>
+                  <a:schemeClr val="accent1">
+                    <a:lumMod val="25000"/>
+                  </a:schemeClr>
+                </a:solidFill>
+                <a:latin typeface="Garamond" pitchFamily="18" charset="0"/>
+              </a:rPr>
+              <a:t>Horstmann</a:t>
+            </a:r>
+            <a:r>
+              <a:rPr lang="en-US" sz="2600" dirty="0">
+                <a:solidFill>
+                  <a:schemeClr val="accent1">
+                    <a:lumMod val="25000"/>
+                  </a:schemeClr>
+                </a:solidFill>
+                <a:latin typeface="Garamond" pitchFamily="18" charset="0"/>
+              </a:rPr>
+              <a:t>, G Cornell, </a:t>
+            </a:r>
+            <a:r>
+              <a:rPr lang="en-US" sz="2600" b="1" i="1" dirty="0" err="1">
+                <a:solidFill>
+                  <a:schemeClr val="accent1">
+                    <a:lumMod val="25000"/>
+                  </a:schemeClr>
+                </a:solidFill>
+                <a:latin typeface="Garamond" pitchFamily="18" charset="0"/>
+              </a:rPr>
+              <a:t>Jezgro</a:t>
+            </a:r>
+            <a:r>
+              <a:rPr lang="en-US" sz="2600" b="1" i="1" dirty="0">
+                <a:solidFill>
+                  <a:schemeClr val="accent1">
+                    <a:lumMod val="25000"/>
+                  </a:schemeClr>
+                </a:solidFill>
+                <a:latin typeface="Garamond" pitchFamily="18" charset="0"/>
+              </a:rPr>
+              <a:t> </a:t>
+            </a:r>
+            <a:r>
+              <a:rPr lang="en-US" sz="2600" b="1" i="1" dirty="0" err="1">
+                <a:solidFill>
+                  <a:schemeClr val="accent1">
+                    <a:lumMod val="25000"/>
+                  </a:schemeClr>
+                </a:solidFill>
+                <a:latin typeface="Garamond" pitchFamily="18" charset="0"/>
+              </a:rPr>
+              <a:t>Jave</a:t>
+            </a:r>
+            <a:r>
+              <a:rPr lang="sr-Cyrl-RS" sz="2600" b="1" i="1" dirty="0">
+                <a:solidFill>
+                  <a:schemeClr val="accent1">
+                    <a:lumMod val="25000"/>
+                  </a:schemeClr>
+                </a:solidFill>
+                <a:latin typeface="Garamond" pitchFamily="18" charset="0"/>
+              </a:rPr>
+              <a:t>,</a:t>
+            </a:r>
+            <a:r>
+              <a:rPr lang="en-US" sz="2600" b="1" i="1" dirty="0">
+                <a:solidFill>
+                  <a:schemeClr val="accent1">
+                    <a:lumMod val="25000"/>
+                  </a:schemeClr>
+                </a:solidFill>
+                <a:latin typeface="Garamond" pitchFamily="18" charset="0"/>
+              </a:rPr>
+              <a:t> Tom 2 </a:t>
+            </a:r>
+            <a:r>
+              <a:rPr lang="sr-Cyrl-RS" sz="2600" b="1" i="1" dirty="0">
+                <a:solidFill>
+                  <a:schemeClr val="accent1">
+                    <a:lumMod val="25000"/>
+                  </a:schemeClr>
+                </a:solidFill>
+                <a:latin typeface="Garamond" pitchFamily="18" charset="0"/>
+              </a:rPr>
+              <a:t>– </a:t>
+            </a:r>
+            <a:r>
+              <a:rPr lang="en-US" sz="2600" b="1" i="1" dirty="0" err="1">
+                <a:solidFill>
+                  <a:schemeClr val="accent1">
+                    <a:lumMod val="25000"/>
+                  </a:schemeClr>
+                </a:solidFill>
+                <a:latin typeface="Garamond" pitchFamily="18" charset="0"/>
+              </a:rPr>
+              <a:t>Napredne</a:t>
+            </a:r>
+            <a:r>
+              <a:rPr lang="en-US" sz="2600" b="1" i="1" dirty="0">
+                <a:solidFill>
+                  <a:schemeClr val="accent1">
+                    <a:lumMod val="25000"/>
+                  </a:schemeClr>
+                </a:solidFill>
+                <a:latin typeface="Garamond" pitchFamily="18" charset="0"/>
+              </a:rPr>
+              <a:t> </a:t>
+            </a:r>
+            <a:r>
+              <a:rPr lang="en-US" sz="2600" b="1" i="1" dirty="0" err="1">
+                <a:solidFill>
+                  <a:schemeClr val="accent1">
+                    <a:lumMod val="25000"/>
+                  </a:schemeClr>
+                </a:solidFill>
+                <a:latin typeface="Garamond" pitchFamily="18" charset="0"/>
+              </a:rPr>
+              <a:t>tehnike</a:t>
+            </a:r>
+            <a:r>
+              <a:rPr lang="en-US" sz="2600" dirty="0">
+                <a:solidFill>
+                  <a:schemeClr val="accent1">
+                    <a:lumMod val="25000"/>
+                  </a:schemeClr>
+                </a:solidFill>
+                <a:latin typeface="Garamond" pitchFamily="18" charset="0"/>
+              </a:rPr>
+              <a:t>, </a:t>
+            </a:r>
+            <a:r>
+              <a:rPr kumimoji="1" lang="sr-Latn-CS" sz="2600" dirty="0">
+                <a:solidFill>
+                  <a:schemeClr val="accent1">
+                    <a:lumMod val="25000"/>
+                  </a:schemeClr>
+                </a:solidFill>
+                <a:latin typeface="Garamond" pitchFamily="18" charset="0"/>
+              </a:rPr>
+              <a:t>CET,</a:t>
+            </a:r>
+            <a:r>
+              <a:rPr kumimoji="1" lang="sr-Cyrl-RS" sz="2600" dirty="0">
+                <a:solidFill>
+                  <a:schemeClr val="accent1">
+                    <a:lumMod val="25000"/>
+                  </a:schemeClr>
+                </a:solidFill>
+                <a:latin typeface="Garamond" pitchFamily="18" charset="0"/>
+              </a:rPr>
+              <a:t> Београд</a:t>
+            </a:r>
+            <a:r>
+              <a:rPr kumimoji="1" lang="sr-Latn-CS" sz="2600" dirty="0">
+                <a:solidFill>
+                  <a:schemeClr val="accent1">
+                    <a:lumMod val="25000"/>
+                  </a:schemeClr>
+                </a:solidFill>
+                <a:latin typeface="Garamond" pitchFamily="18" charset="0"/>
+              </a:rPr>
+              <a:t>, 200</a:t>
+            </a:r>
+            <a:r>
+              <a:rPr kumimoji="1" lang="en-US" sz="2600" dirty="0">
+                <a:solidFill>
+                  <a:schemeClr val="accent1">
+                    <a:lumMod val="25000"/>
+                  </a:schemeClr>
+                </a:solidFill>
+                <a:latin typeface="Garamond" pitchFamily="18" charset="0"/>
+              </a:rPr>
+              <a:t>8</a:t>
+            </a:r>
+            <a:r>
+              <a:rPr kumimoji="1" lang="sr-Latn-CS" sz="2600" dirty="0">
+                <a:solidFill>
+                  <a:schemeClr val="accent1">
+                    <a:lumMod val="25000"/>
+                  </a:schemeClr>
+                </a:solidFill>
+                <a:latin typeface="Garamond" pitchFamily="18" charset="0"/>
+              </a:rPr>
+              <a:t>.</a:t>
+            </a:r>
+            <a:endParaRPr lang="sr-Cyrl-RS" sz="2600">
+              <a:solidFill>
+                <a:schemeClr val="accent1">
+                  <a:lumMod val="25000"/>
+                </a:schemeClr>
+              </a:solidFill>
+              <a:latin typeface="Garamond" pitchFamily="18" charset="0"/>
+            </a:endParaRPr>
+          </a:p>
+          <a:p>
+            <a:pPr marL="514350" indent="-514350" eaLnBrk="0" hangingPunct="0">
+              <a:spcBef>
+                <a:spcPct val="20000"/>
+              </a:spcBef>
+              <a:buFont typeface="Times YU" pitchFamily="18" charset="0"/>
+              <a:buAutoNum type="arabicPeriod"/>
+              <a:defRPr/>
+            </a:pPr>
+            <a:r>
+              <a:rPr lang="en-US" sz="2600" smtClean="0">
                 <a:solidFill>
                   <a:schemeClr val="accent1">
                     <a:lumMod val="25000"/>
@@ -11552,7 +11956,7 @@
               <a:defRPr/>
             </a:pPr>
             <a:r>
-              <a:rPr lang="en-US" sz="2600" dirty="0" smtClean="0">
+              <a:rPr kumimoji="1" lang="sr-Latn-CS" sz="2600" dirty="0" smtClean="0">
                 <a:solidFill>
                   <a:schemeClr val="accent1">
                     <a:lumMod val="25000"/>
@@ -11560,10 +11964,10 @@
                 </a:solidFill>
                 <a:latin typeface="Garamond" pitchFamily="18" charset="0"/>
               </a:rPr>
-              <a:t>C </a:t>
-            </a:r>
-            <a:r>
-              <a:rPr lang="en-US" sz="2600" dirty="0">
+              <a:t>I</a:t>
+            </a:r>
+            <a:r>
+              <a:rPr kumimoji="1" lang="sr-Latn-CS" sz="2600" dirty="0">
                 <a:solidFill>
                   <a:schemeClr val="accent1">
                     <a:lumMod val="25000"/>
@@ -11571,417 +11975,7 @@
                 </a:solidFill>
                 <a:latin typeface="Garamond" pitchFamily="18" charset="0"/>
               </a:rPr>
-              <a:t>. </a:t>
-            </a:r>
-            <a:r>
-              <a:rPr lang="en-US" sz="2600" dirty="0" err="1">
-                <a:solidFill>
-                  <a:schemeClr val="accent1">
-                    <a:lumMod val="25000"/>
-                  </a:schemeClr>
-                </a:solidFill>
-                <a:latin typeface="Garamond" pitchFamily="18" charset="0"/>
-              </a:rPr>
-              <a:t>Horstmann</a:t>
-            </a:r>
-            <a:r>
-              <a:rPr lang="en-US" sz="2600" dirty="0">
-                <a:solidFill>
-                  <a:schemeClr val="accent1">
-                    <a:lumMod val="25000"/>
-                  </a:schemeClr>
-                </a:solidFill>
-                <a:latin typeface="Garamond" pitchFamily="18" charset="0"/>
-              </a:rPr>
-              <a:t>, G Cornell, </a:t>
-            </a:r>
-            <a:r>
-              <a:rPr lang="en-US" sz="2600" b="1" i="1" dirty="0" err="1" smtClean="0">
-                <a:solidFill>
-                  <a:schemeClr val="accent1">
-                    <a:lumMod val="25000"/>
-                  </a:schemeClr>
-                </a:solidFill>
-                <a:latin typeface="Garamond" pitchFamily="18" charset="0"/>
-              </a:rPr>
-              <a:t>Jezgro</a:t>
-            </a:r>
-            <a:r>
-              <a:rPr lang="en-US" sz="2600" b="1" i="1" dirty="0" smtClean="0">
-                <a:solidFill>
-                  <a:schemeClr val="accent1">
-                    <a:lumMod val="25000"/>
-                  </a:schemeClr>
-                </a:solidFill>
-                <a:latin typeface="Garamond" pitchFamily="18" charset="0"/>
-              </a:rPr>
-              <a:t> </a:t>
-            </a:r>
-            <a:r>
-              <a:rPr lang="en-US" sz="2600" b="1" i="1" dirty="0" err="1">
-                <a:solidFill>
-                  <a:schemeClr val="accent1">
-                    <a:lumMod val="25000"/>
-                  </a:schemeClr>
-                </a:solidFill>
-                <a:latin typeface="Garamond" pitchFamily="18" charset="0"/>
-              </a:rPr>
-              <a:t>Jave</a:t>
-            </a:r>
-            <a:r>
-              <a:rPr lang="sr-Cyrl-RS" sz="2600" b="1" i="1" dirty="0">
-                <a:solidFill>
-                  <a:schemeClr val="accent1">
-                    <a:lumMod val="25000"/>
-                  </a:schemeClr>
-                </a:solidFill>
-                <a:latin typeface="Garamond" pitchFamily="18" charset="0"/>
-              </a:rPr>
-              <a:t>,</a:t>
-            </a:r>
-            <a:r>
-              <a:rPr lang="en-US" sz="2600" b="1" i="1" dirty="0">
-                <a:solidFill>
-                  <a:schemeClr val="accent1">
-                    <a:lumMod val="25000"/>
-                  </a:schemeClr>
-                </a:solidFill>
-                <a:latin typeface="Garamond" pitchFamily="18" charset="0"/>
-              </a:rPr>
-              <a:t> Tom 1</a:t>
-            </a:r>
-            <a:r>
-              <a:rPr lang="sr-Cyrl-RS" sz="2600" b="1" i="1" dirty="0">
-                <a:solidFill>
-                  <a:schemeClr val="accent1">
-                    <a:lumMod val="25000"/>
-                  </a:schemeClr>
-                </a:solidFill>
-                <a:latin typeface="Garamond" pitchFamily="18" charset="0"/>
-              </a:rPr>
-              <a:t>- О</a:t>
-            </a:r>
-            <a:r>
-              <a:rPr lang="en-US" sz="2600" b="1" i="1" dirty="0" err="1">
-                <a:solidFill>
-                  <a:schemeClr val="accent1">
-                    <a:lumMod val="25000"/>
-                  </a:schemeClr>
-                </a:solidFill>
-                <a:latin typeface="Garamond" pitchFamily="18" charset="0"/>
-              </a:rPr>
-              <a:t>snove</a:t>
-            </a:r>
-            <a:r>
-              <a:rPr lang="en-US" sz="2600" dirty="0">
-                <a:solidFill>
-                  <a:schemeClr val="accent1">
-                    <a:lumMod val="25000"/>
-                  </a:schemeClr>
-                </a:solidFill>
-                <a:latin typeface="Garamond" pitchFamily="18" charset="0"/>
-              </a:rPr>
-              <a:t>, </a:t>
-            </a:r>
-            <a:r>
-              <a:rPr kumimoji="1" lang="sr-Latn-CS" sz="2600" dirty="0">
-                <a:solidFill>
-                  <a:schemeClr val="accent1">
-                    <a:lumMod val="25000"/>
-                  </a:schemeClr>
-                </a:solidFill>
-                <a:latin typeface="Garamond" pitchFamily="18" charset="0"/>
-              </a:rPr>
-              <a:t>CET,</a:t>
-            </a:r>
-            <a:r>
-              <a:rPr kumimoji="1" lang="sr-Cyrl-RS" sz="2600" dirty="0">
-                <a:solidFill>
-                  <a:schemeClr val="accent1">
-                    <a:lumMod val="25000"/>
-                  </a:schemeClr>
-                </a:solidFill>
-                <a:latin typeface="Garamond" pitchFamily="18" charset="0"/>
-              </a:rPr>
-              <a:t> Београд</a:t>
-            </a:r>
-            <a:r>
-              <a:rPr kumimoji="1" lang="sr-Latn-CS" sz="2600" dirty="0">
-                <a:solidFill>
-                  <a:schemeClr val="accent1">
-                    <a:lumMod val="25000"/>
-                  </a:schemeClr>
-                </a:solidFill>
-                <a:latin typeface="Garamond" pitchFamily="18" charset="0"/>
-              </a:rPr>
-              <a:t>, 200</a:t>
-            </a:r>
-            <a:r>
-              <a:rPr kumimoji="1" lang="en-US" sz="2600" dirty="0">
-                <a:solidFill>
-                  <a:schemeClr val="accent1">
-                    <a:lumMod val="25000"/>
-                  </a:schemeClr>
-                </a:solidFill>
-                <a:latin typeface="Garamond" pitchFamily="18" charset="0"/>
-              </a:rPr>
-              <a:t>8</a:t>
-            </a:r>
-            <a:r>
-              <a:rPr kumimoji="1" lang="sr-Latn-CS" sz="2600" dirty="0">
-                <a:solidFill>
-                  <a:schemeClr val="accent1">
-                    <a:lumMod val="25000"/>
-                  </a:schemeClr>
-                </a:solidFill>
-                <a:latin typeface="Garamond" pitchFamily="18" charset="0"/>
-              </a:rPr>
-              <a:t>.</a:t>
-            </a:r>
-            <a:endParaRPr kumimoji="1" lang="en-US" sz="2600" dirty="0">
-              <a:solidFill>
-                <a:schemeClr val="accent1">
-                  <a:lumMod val="25000"/>
-                </a:schemeClr>
-              </a:solidFill>
-              <a:latin typeface="Garamond" pitchFamily="18" charset="0"/>
-            </a:endParaRPr>
-          </a:p>
-          <a:p>
-            <a:pPr marL="514350" indent="-514350" eaLnBrk="0" hangingPunct="0">
-              <a:spcBef>
-                <a:spcPct val="20000"/>
-              </a:spcBef>
-              <a:buFont typeface="Times YU" pitchFamily="18" charset="0"/>
-              <a:buAutoNum type="arabicPeriod"/>
-              <a:defRPr/>
-            </a:pPr>
-            <a:r>
-              <a:rPr lang="en-US" sz="2600" dirty="0">
-                <a:solidFill>
-                  <a:schemeClr val="accent1">
-                    <a:lumMod val="25000"/>
-                  </a:schemeClr>
-                </a:solidFill>
-                <a:latin typeface="Garamond" pitchFamily="18" charset="0"/>
-              </a:rPr>
-              <a:t>C . </a:t>
-            </a:r>
-            <a:r>
-              <a:rPr lang="en-US" sz="2600" dirty="0" err="1">
-                <a:solidFill>
-                  <a:schemeClr val="accent1">
-                    <a:lumMod val="25000"/>
-                  </a:schemeClr>
-                </a:solidFill>
-                <a:latin typeface="Garamond" pitchFamily="18" charset="0"/>
-              </a:rPr>
-              <a:t>Horstmann</a:t>
-            </a:r>
-            <a:r>
-              <a:rPr lang="en-US" sz="2600" dirty="0">
-                <a:solidFill>
-                  <a:schemeClr val="accent1">
-                    <a:lumMod val="25000"/>
-                  </a:schemeClr>
-                </a:solidFill>
-                <a:latin typeface="Garamond" pitchFamily="18" charset="0"/>
-              </a:rPr>
-              <a:t>, G Cornell, </a:t>
-            </a:r>
-            <a:r>
-              <a:rPr lang="en-US" sz="2600" b="1" i="1" dirty="0" err="1" smtClean="0">
-                <a:solidFill>
-                  <a:schemeClr val="accent1">
-                    <a:lumMod val="25000"/>
-                  </a:schemeClr>
-                </a:solidFill>
-                <a:latin typeface="Garamond" pitchFamily="18" charset="0"/>
-              </a:rPr>
-              <a:t>Jezgro</a:t>
-            </a:r>
-            <a:r>
-              <a:rPr lang="en-US" sz="2600" b="1" i="1" dirty="0" smtClean="0">
-                <a:solidFill>
-                  <a:schemeClr val="accent1">
-                    <a:lumMod val="25000"/>
-                  </a:schemeClr>
-                </a:solidFill>
-                <a:latin typeface="Garamond" pitchFamily="18" charset="0"/>
-              </a:rPr>
-              <a:t> </a:t>
-            </a:r>
-            <a:r>
-              <a:rPr lang="en-US" sz="2600" b="1" i="1" dirty="0" err="1">
-                <a:solidFill>
-                  <a:schemeClr val="accent1">
-                    <a:lumMod val="25000"/>
-                  </a:schemeClr>
-                </a:solidFill>
-                <a:latin typeface="Garamond" pitchFamily="18" charset="0"/>
-              </a:rPr>
-              <a:t>Jave</a:t>
-            </a:r>
-            <a:r>
-              <a:rPr lang="sr-Cyrl-RS" sz="2600" b="1" i="1" dirty="0">
-                <a:solidFill>
-                  <a:schemeClr val="accent1">
-                    <a:lumMod val="25000"/>
-                  </a:schemeClr>
-                </a:solidFill>
-                <a:latin typeface="Garamond" pitchFamily="18" charset="0"/>
-              </a:rPr>
-              <a:t>,</a:t>
-            </a:r>
-            <a:r>
-              <a:rPr lang="en-US" sz="2600" b="1" i="1" dirty="0">
-                <a:solidFill>
-                  <a:schemeClr val="accent1">
-                    <a:lumMod val="25000"/>
-                  </a:schemeClr>
-                </a:solidFill>
-                <a:latin typeface="Garamond" pitchFamily="18" charset="0"/>
-              </a:rPr>
-              <a:t> Tom 2 </a:t>
-            </a:r>
-            <a:r>
-              <a:rPr lang="sr-Cyrl-RS" sz="2600" b="1" i="1" dirty="0">
-                <a:solidFill>
-                  <a:schemeClr val="accent1">
-                    <a:lumMod val="25000"/>
-                  </a:schemeClr>
-                </a:solidFill>
-                <a:latin typeface="Garamond" pitchFamily="18" charset="0"/>
-              </a:rPr>
-              <a:t>– </a:t>
-            </a:r>
-            <a:r>
-              <a:rPr lang="en-US" sz="2600" b="1" i="1" dirty="0" err="1">
-                <a:solidFill>
-                  <a:schemeClr val="accent1">
-                    <a:lumMod val="25000"/>
-                  </a:schemeClr>
-                </a:solidFill>
-                <a:latin typeface="Garamond" pitchFamily="18" charset="0"/>
-              </a:rPr>
-              <a:t>Napredne</a:t>
-            </a:r>
-            <a:r>
-              <a:rPr lang="en-US" sz="2600" b="1" i="1" dirty="0">
-                <a:solidFill>
-                  <a:schemeClr val="accent1">
-                    <a:lumMod val="25000"/>
-                  </a:schemeClr>
-                </a:solidFill>
-                <a:latin typeface="Garamond" pitchFamily="18" charset="0"/>
-              </a:rPr>
-              <a:t> </a:t>
-            </a:r>
-            <a:r>
-              <a:rPr lang="en-US" sz="2600" b="1" i="1" dirty="0" err="1">
-                <a:solidFill>
-                  <a:schemeClr val="accent1">
-                    <a:lumMod val="25000"/>
-                  </a:schemeClr>
-                </a:solidFill>
-                <a:latin typeface="Garamond" pitchFamily="18" charset="0"/>
-              </a:rPr>
-              <a:t>tehnike</a:t>
-            </a:r>
-            <a:r>
-              <a:rPr lang="en-US" sz="2600" dirty="0">
-                <a:solidFill>
-                  <a:schemeClr val="accent1">
-                    <a:lumMod val="25000"/>
-                  </a:schemeClr>
-                </a:solidFill>
-                <a:latin typeface="Garamond" pitchFamily="18" charset="0"/>
-              </a:rPr>
-              <a:t>, </a:t>
-            </a:r>
-            <a:r>
-              <a:rPr kumimoji="1" lang="sr-Latn-CS" sz="2600" dirty="0">
-                <a:solidFill>
-                  <a:schemeClr val="accent1">
-                    <a:lumMod val="25000"/>
-                  </a:schemeClr>
-                </a:solidFill>
-                <a:latin typeface="Garamond" pitchFamily="18" charset="0"/>
-              </a:rPr>
-              <a:t>CET,</a:t>
-            </a:r>
-            <a:r>
-              <a:rPr kumimoji="1" lang="sr-Cyrl-RS" sz="2600" dirty="0">
-                <a:solidFill>
-                  <a:schemeClr val="accent1">
-                    <a:lumMod val="25000"/>
-                  </a:schemeClr>
-                </a:solidFill>
-                <a:latin typeface="Garamond" pitchFamily="18" charset="0"/>
-              </a:rPr>
-              <a:t> Београд</a:t>
-            </a:r>
-            <a:r>
-              <a:rPr kumimoji="1" lang="sr-Latn-CS" sz="2600" dirty="0">
-                <a:solidFill>
-                  <a:schemeClr val="accent1">
-                    <a:lumMod val="25000"/>
-                  </a:schemeClr>
-                </a:solidFill>
-                <a:latin typeface="Garamond" pitchFamily="18" charset="0"/>
-              </a:rPr>
-              <a:t>, 200</a:t>
-            </a:r>
-            <a:r>
-              <a:rPr kumimoji="1" lang="en-US" sz="2600" dirty="0">
-                <a:solidFill>
-                  <a:schemeClr val="accent1">
-                    <a:lumMod val="25000"/>
-                  </a:schemeClr>
-                </a:solidFill>
-                <a:latin typeface="Garamond" pitchFamily="18" charset="0"/>
-              </a:rPr>
-              <a:t>8</a:t>
-            </a:r>
-            <a:r>
-              <a:rPr kumimoji="1" lang="sr-Latn-CS" sz="2600" dirty="0">
-                <a:solidFill>
-                  <a:schemeClr val="accent1">
-                    <a:lumMod val="25000"/>
-                  </a:schemeClr>
-                </a:solidFill>
-                <a:latin typeface="Garamond" pitchFamily="18" charset="0"/>
-              </a:rPr>
-              <a:t>.</a:t>
-            </a:r>
-            <a:endParaRPr lang="sr-Cyrl-RS" sz="2600" dirty="0">
-              <a:solidFill>
-                <a:schemeClr val="accent1">
-                  <a:lumMod val="25000"/>
-                </a:schemeClr>
-              </a:solidFill>
-              <a:latin typeface="Garamond" pitchFamily="18" charset="0"/>
-            </a:endParaRPr>
-          </a:p>
-          <a:p>
-            <a:pPr marL="514350" indent="-514350" eaLnBrk="0" hangingPunct="0">
-              <a:spcBef>
-                <a:spcPct val="20000"/>
-              </a:spcBef>
-              <a:buFont typeface="Times YU" pitchFamily="18" charset="0"/>
-              <a:buAutoNum type="arabicPeriod"/>
-              <a:defRPr/>
-            </a:pPr>
-            <a:r>
-              <a:rPr kumimoji="1" lang="sr-Latn-CS" sz="2600" dirty="0">
-                <a:solidFill>
-                  <a:schemeClr val="accent1">
-                    <a:lumMod val="25000"/>
-                  </a:schemeClr>
-                </a:solidFill>
-                <a:latin typeface="Garamond" pitchFamily="18" charset="0"/>
-              </a:rPr>
-              <a:t>I. Horton, </a:t>
+              <a:t>. Horton, </a:t>
             </a:r>
             <a:r>
               <a:rPr kumimoji="1" lang="sr-Latn-CS" sz="2600" b="1" i="1" dirty="0">
@@ -12528,13 +12522,13 @@
                     </p:cTn>
                   </p:par>
                   <p:par>
-                    <p:cTn id="13" fill="hold" nodeType="clickPar">
+                    <p:cTn id="13" fill="hold">
                       <p:stCondLst>
                         <p:cond delay="indefinite"/>
                       </p:stCondLst>
                       <p:childTnLst>
                         <p:par>
-                          <p:cTn id="14" fill="hold" nodeType="withGroup">
+                          <p:cTn id="14" fill="hold">
                             <p:stCondLst>
                               <p:cond delay="0"/>
                             </p:stCondLst>
